--- a/Report/report.pptx
+++ b/Report/report.pptx
@@ -5742,7 +5742,7 @@
         </p:nvSpPr>
         <p:spPr>
           <a:xfrm>
-            <a:off x="690311" y="3566903"/>
+            <a:off x="703385" y="3553457"/>
             <a:ext cx="5777314" cy="2862322"/>
           </a:xfrm>
           <a:prstGeom prst="rect">
@@ -5796,7 +5796,7 @@
             </a:pPr>
             <a:r>
               <a:rPr lang="en-IN" dirty="0"/>
-              <a:t>Also if we have a memory based networks we might be able to capture non-linear trends better.</a:t>
+              <a:t>Also if we have a memory based networks we might be able to capture non-linear trends better</a:t>
             </a:r>
           </a:p>
           <a:p>
